--- a/figures/GM_square_u.pptx
+++ b/figures/GM_square_u.pptx
@@ -244,7 +244,7 @@
           <a:p>
             <a:fld id="{C8497A68-94B9-0D4B-97C3-6FCC5C56FE26}" type="datetimeFigureOut">
               <a:rPr kumimoji="1" lang="zh-CN" altLang="en-US" smtClean="0"/>
-              <a:t>2023/8/31</a:t>
+              <a:t>2023/9/11</a:t>
             </a:fld>
             <a:endParaRPr kumimoji="1" lang="zh-CN" altLang="en-US"/>
           </a:p>
@@ -414,7 +414,7 @@
           <a:p>
             <a:fld id="{C8497A68-94B9-0D4B-97C3-6FCC5C56FE26}" type="datetimeFigureOut">
               <a:rPr kumimoji="1" lang="zh-CN" altLang="en-US" smtClean="0"/>
-              <a:t>2023/8/31</a:t>
+              <a:t>2023/9/11</a:t>
             </a:fld>
             <a:endParaRPr kumimoji="1" lang="zh-CN" altLang="en-US"/>
           </a:p>
@@ -594,7 +594,7 @@
           <a:p>
             <a:fld id="{C8497A68-94B9-0D4B-97C3-6FCC5C56FE26}" type="datetimeFigureOut">
               <a:rPr kumimoji="1" lang="zh-CN" altLang="en-US" smtClean="0"/>
-              <a:t>2023/8/31</a:t>
+              <a:t>2023/9/11</a:t>
             </a:fld>
             <a:endParaRPr kumimoji="1" lang="zh-CN" altLang="en-US"/>
           </a:p>
@@ -764,7 +764,7 @@
           <a:p>
             <a:fld id="{C8497A68-94B9-0D4B-97C3-6FCC5C56FE26}" type="datetimeFigureOut">
               <a:rPr kumimoji="1" lang="zh-CN" altLang="en-US" smtClean="0"/>
-              <a:t>2023/8/31</a:t>
+              <a:t>2023/9/11</a:t>
             </a:fld>
             <a:endParaRPr kumimoji="1" lang="zh-CN" altLang="en-US"/>
           </a:p>
@@ -1008,7 +1008,7 @@
           <a:p>
             <a:fld id="{C8497A68-94B9-0D4B-97C3-6FCC5C56FE26}" type="datetimeFigureOut">
               <a:rPr kumimoji="1" lang="zh-CN" altLang="en-US" smtClean="0"/>
-              <a:t>2023/8/31</a:t>
+              <a:t>2023/9/11</a:t>
             </a:fld>
             <a:endParaRPr kumimoji="1" lang="zh-CN" altLang="en-US"/>
           </a:p>
@@ -1240,7 +1240,7 @@
           <a:p>
             <a:fld id="{C8497A68-94B9-0D4B-97C3-6FCC5C56FE26}" type="datetimeFigureOut">
               <a:rPr kumimoji="1" lang="zh-CN" altLang="en-US" smtClean="0"/>
-              <a:t>2023/8/31</a:t>
+              <a:t>2023/9/11</a:t>
             </a:fld>
             <a:endParaRPr kumimoji="1" lang="zh-CN" altLang="en-US"/>
           </a:p>
@@ -1607,7 +1607,7 @@
           <a:p>
             <a:fld id="{C8497A68-94B9-0D4B-97C3-6FCC5C56FE26}" type="datetimeFigureOut">
               <a:rPr kumimoji="1" lang="zh-CN" altLang="en-US" smtClean="0"/>
-              <a:t>2023/8/31</a:t>
+              <a:t>2023/9/11</a:t>
             </a:fld>
             <a:endParaRPr kumimoji="1" lang="zh-CN" altLang="en-US"/>
           </a:p>
@@ -1725,7 +1725,7 @@
           <a:p>
             <a:fld id="{C8497A68-94B9-0D4B-97C3-6FCC5C56FE26}" type="datetimeFigureOut">
               <a:rPr kumimoji="1" lang="zh-CN" altLang="en-US" smtClean="0"/>
-              <a:t>2023/8/31</a:t>
+              <a:t>2023/9/11</a:t>
             </a:fld>
             <a:endParaRPr kumimoji="1" lang="zh-CN" altLang="en-US"/>
           </a:p>
@@ -1820,7 +1820,7 @@
           <a:p>
             <a:fld id="{C8497A68-94B9-0D4B-97C3-6FCC5C56FE26}" type="datetimeFigureOut">
               <a:rPr kumimoji="1" lang="zh-CN" altLang="en-US" smtClean="0"/>
-              <a:t>2023/8/31</a:t>
+              <a:t>2023/9/11</a:t>
             </a:fld>
             <a:endParaRPr kumimoji="1" lang="zh-CN" altLang="en-US"/>
           </a:p>
@@ -2097,7 +2097,7 @@
           <a:p>
             <a:fld id="{C8497A68-94B9-0D4B-97C3-6FCC5C56FE26}" type="datetimeFigureOut">
               <a:rPr kumimoji="1" lang="zh-CN" altLang="en-US" smtClean="0"/>
-              <a:t>2023/8/31</a:t>
+              <a:t>2023/9/11</a:t>
             </a:fld>
             <a:endParaRPr kumimoji="1" lang="zh-CN" altLang="en-US"/>
           </a:p>
@@ -2354,7 +2354,7 @@
           <a:p>
             <a:fld id="{C8497A68-94B9-0D4B-97C3-6FCC5C56FE26}" type="datetimeFigureOut">
               <a:rPr kumimoji="1" lang="zh-CN" altLang="en-US" smtClean="0"/>
-              <a:t>2023/8/31</a:t>
+              <a:t>2023/9/11</a:t>
             </a:fld>
             <a:endParaRPr kumimoji="1" lang="zh-CN" altLang="en-US"/>
           </a:p>
@@ -2567,7 +2567,7 @@
           <a:p>
             <a:fld id="{C8497A68-94B9-0D4B-97C3-6FCC5C56FE26}" type="datetimeFigureOut">
               <a:rPr kumimoji="1" lang="zh-CN" altLang="en-US" smtClean="0"/>
-              <a:t>2023/8/31</a:t>
+              <a:t>2023/9/11</a:t>
             </a:fld>
             <a:endParaRPr kumimoji="1" lang="zh-CN" altLang="en-US"/>
           </a:p>
@@ -3066,182 +3066,6 @@
           </a:extLst>
         </p:spPr>
       </p:pic>
-      <mc:AlternateContent xmlns:mc="http://schemas.openxmlformats.org/markup-compatibility/2006">
-        <mc:Choice xmlns:a14="http://schemas.microsoft.com/office/drawing/2010/main" Requires="a14">
-          <p:sp>
-            <p:nvSpPr>
-              <p:cNvPr id="4" name="文本框 3">
-                <a:extLst>
-                  <a:ext uri="{FF2B5EF4-FFF2-40B4-BE49-F238E27FC236}">
-                    <a16:creationId xmlns:a16="http://schemas.microsoft.com/office/drawing/2014/main" id="{59C6EDF0-175F-B342-87D4-9B777CFF6BF9}"/>
-                  </a:ext>
-                </a:extLst>
-              </p:cNvPr>
-              <p:cNvSpPr txBox="1"/>
-              <p:nvPr/>
-            </p:nvSpPr>
-            <p:spPr>
-              <a:xfrm>
-                <a:off x="4325167" y="5112561"/>
-                <a:ext cx="4920343" cy="584775"/>
-              </a:xfrm>
-              <a:prstGeom prst="rect">
-                <a:avLst/>
-              </a:prstGeom>
-              <a:noFill/>
-            </p:spPr>
-            <p:txBody>
-              <a:bodyPr wrap="square" rtlCol="0">
-                <a:spAutoFit/>
-              </a:bodyPr>
-              <a:lstStyle/>
-              <a:p>
-                <a:r>
-                  <a:rPr kumimoji="1" lang="en-US" altLang="zh-CN" sz="3200" b="1" dirty="0">
-                    <a:latin typeface="Times New Roman" panose="02020603050405020304" pitchFamily="18" charset="0"/>
-                    <a:cs typeface="Times New Roman" panose="02020603050405020304" pitchFamily="18" charset="0"/>
-                  </a:rPr>
-                  <a:t>Impact</a:t>
-                </a:r>
-                <a:r>
-                  <a:rPr kumimoji="1" lang="zh-CN" altLang="en-US" sz="3200" b="1" dirty="0">
-                    <a:latin typeface="Times New Roman" panose="02020603050405020304" pitchFamily="18" charset="0"/>
-                    <a:cs typeface="Times New Roman" panose="02020603050405020304" pitchFamily="18" charset="0"/>
-                  </a:rPr>
-                  <a:t> </a:t>
-                </a:r>
-                <a:r>
-                  <a:rPr kumimoji="1" lang="en-US" altLang="zh-CN" sz="3200" b="1" dirty="0">
-                    <a:latin typeface="Times New Roman" panose="02020603050405020304" pitchFamily="18" charset="0"/>
-                    <a:cs typeface="Times New Roman" panose="02020603050405020304" pitchFamily="18" charset="0"/>
-                  </a:rPr>
-                  <a:t>of</a:t>
-                </a:r>
-                <a:r>
-                  <a:rPr kumimoji="1" lang="zh-CN" altLang="en-US" sz="3200" b="1" dirty="0">
-                    <a:latin typeface="Times New Roman" panose="02020603050405020304" pitchFamily="18" charset="0"/>
-                    <a:cs typeface="Times New Roman" panose="02020603050405020304" pitchFamily="18" charset="0"/>
-                  </a:rPr>
-                  <a:t> </a:t>
-                </a:r>
-                <a14:m>
-                  <m:oMath xmlns:m="http://schemas.openxmlformats.org/officeDocument/2006/math">
-                    <m:sSub>
-                      <m:sSubPr>
-                        <m:ctrlPr>
-                          <a:rPr kumimoji="1" lang="en-US" altLang="zh-CN" sz="3200" b="1" i="1" smtClean="0">
-                            <a:latin typeface="Cambria Math" panose="02040503050406030204" pitchFamily="18" charset="0"/>
-                            <a:cs typeface="Times New Roman" panose="02020603050405020304" pitchFamily="18" charset="0"/>
-                          </a:rPr>
-                        </m:ctrlPr>
-                      </m:sSubPr>
-                      <m:e>
-                        <m:r>
-                          <a:rPr kumimoji="1" lang="en-US" altLang="zh-CN" sz="3200" b="1" i="1" smtClean="0">
-                            <a:latin typeface="Cambria Math" panose="02040503050406030204" pitchFamily="18" charset="0"/>
-                            <a:cs typeface="Times New Roman" panose="02020603050405020304" pitchFamily="18" charset="0"/>
-                          </a:rPr>
-                          <m:t>𝑫</m:t>
-                        </m:r>
-                      </m:e>
-                      <m:sub>
-                        <m:r>
-                          <a:rPr kumimoji="1" lang="en-US" altLang="zh-CN" sz="3200" b="1" i="1" smtClean="0">
-                            <a:latin typeface="Cambria Math" panose="02040503050406030204" pitchFamily="18" charset="0"/>
-                            <a:cs typeface="Times New Roman" panose="02020603050405020304" pitchFamily="18" charset="0"/>
-                          </a:rPr>
-                          <m:t>𝒗</m:t>
-                        </m:r>
-                      </m:sub>
-                    </m:sSub>
-                  </m:oMath>
-                </a14:m>
-                <a:r>
-                  <a:rPr kumimoji="1" lang="zh-CN" altLang="en-US" sz="3200" b="1" dirty="0">
-                    <a:latin typeface="Times New Roman" panose="02020603050405020304" pitchFamily="18" charset="0"/>
-                    <a:cs typeface="Times New Roman" panose="02020603050405020304" pitchFamily="18" charset="0"/>
-                  </a:rPr>
-                  <a:t> </a:t>
-                </a:r>
-              </a:p>
-            </p:txBody>
-          </p:sp>
-        </mc:Choice>
-        <mc:Fallback>
-          <p:sp>
-            <p:nvSpPr>
-              <p:cNvPr id="4" name="文本框 3">
-                <a:extLst>
-                  <a:ext uri="{FF2B5EF4-FFF2-40B4-BE49-F238E27FC236}">
-                    <a16:creationId xmlns:a16="http://schemas.microsoft.com/office/drawing/2014/main" id="{59C6EDF0-175F-B342-87D4-9B777CFF6BF9}"/>
-                  </a:ext>
-                </a:extLst>
-              </p:cNvPr>
-              <p:cNvSpPr txBox="1">
-                <a:spLocks noRot="1" noChangeAspect="1" noMove="1" noResize="1" noEditPoints="1" noAdjustHandles="1" noChangeArrowheads="1" noChangeShapeType="1" noTextEdit="1"/>
-              </p:cNvSpPr>
-              <p:nvPr/>
-            </p:nvSpPr>
-            <p:spPr>
-              <a:xfrm>
-                <a:off x="4325167" y="5112561"/>
-                <a:ext cx="4920343" cy="584775"/>
-              </a:xfrm>
-              <a:prstGeom prst="rect">
-                <a:avLst/>
-              </a:prstGeom>
-              <a:blipFill>
-                <a:blip r:embed="rId4"/>
-                <a:stretch>
-                  <a:fillRect l="-3085" t="-12766" b="-31915"/>
-                </a:stretch>
-              </a:blipFill>
-            </p:spPr>
-            <p:txBody>
-              <a:bodyPr/>
-              <a:lstStyle/>
-              <a:p>
-                <a:r>
-                  <a:rPr lang="zh-CN" altLang="en-US">
-                    <a:noFill/>
-                  </a:rPr>
-                  <a:t> </a:t>
-                </a:r>
-              </a:p>
-            </p:txBody>
-          </p:sp>
-        </mc:Fallback>
-      </mc:AlternateContent>
-      <p:pic>
-        <p:nvPicPr>
-          <p:cNvPr id="6" name="图片 5">
-            <a:extLst>
-              <a:ext uri="{FF2B5EF4-FFF2-40B4-BE49-F238E27FC236}">
-                <a16:creationId xmlns:a16="http://schemas.microsoft.com/office/drawing/2014/main" id="{61D95D82-3A3E-E601-7301-FE872AB63C6D}"/>
-              </a:ext>
-            </a:extLst>
-          </p:cNvPr>
-          <p:cNvPicPr>
-            <a:picLocks noChangeAspect="1"/>
-          </p:cNvPicPr>
-          <p:nvPr/>
-        </p:nvPicPr>
-        <p:blipFill>
-          <a:blip r:embed="rId5"/>
-          <a:stretch>
-            <a:fillRect/>
-          </a:stretch>
-        </p:blipFill>
-        <p:spPr>
-          <a:xfrm>
-            <a:off x="6696528" y="4312728"/>
-            <a:ext cx="7010939" cy="1863667"/>
-          </a:xfrm>
-          <a:prstGeom prst="rect">
-            <a:avLst/>
-          </a:prstGeom>
-        </p:spPr>
-      </p:pic>
       <p:sp>
         <p:nvSpPr>
           <p:cNvPr id="18" name="圆角矩形 17">
@@ -3348,8 +3172,8 @@
           </a:p>
         </p:txBody>
       </p:sp>
-      <mc:AlternateContent xmlns:mc="http://schemas.openxmlformats.org/markup-compatibility/2006">
-        <mc:Choice xmlns:a14="http://schemas.microsoft.com/office/drawing/2010/main" Requires="a14">
+      <mc:AlternateContent xmlns:mc="http://schemas.openxmlformats.org/markup-compatibility/2006" xmlns:a14="http://schemas.microsoft.com/office/drawing/2010/main">
+        <mc:Choice Requires="a14">
           <p:sp>
             <p:nvSpPr>
               <p:cNvPr id="20" name="文本框 19">
@@ -3502,7 +3326,7 @@
             </p:txBody>
           </p:sp>
         </mc:Choice>
-        <mc:Fallback>
+        <mc:Fallback xmlns="">
           <p:sp>
             <p:nvSpPr>
               <p:cNvPr id="20" name="文本框 19">
@@ -3547,8 +3371,8 @@
           </p:sp>
         </mc:Fallback>
       </mc:AlternateContent>
-      <mc:AlternateContent xmlns:mc="http://schemas.openxmlformats.org/markup-compatibility/2006">
-        <mc:Choice xmlns:a14="http://schemas.microsoft.com/office/drawing/2010/main" Requires="a14">
+      <mc:AlternateContent xmlns:mc="http://schemas.openxmlformats.org/markup-compatibility/2006" xmlns:a14="http://schemas.microsoft.com/office/drawing/2010/main">
+        <mc:Choice Requires="a14">
           <p:sp>
             <p:nvSpPr>
               <p:cNvPr id="21" name="文本框 20">
@@ -3708,7 +3532,7 @@
             </p:txBody>
           </p:sp>
         </mc:Choice>
-        <mc:Fallback>
+        <mc:Fallback xmlns="">
           <p:sp>
             <p:nvSpPr>
               <p:cNvPr id="21" name="文本框 20">
@@ -4237,182 +4061,6 @@
           </a:extLst>
         </p:spPr>
       </p:pic>
-      <mc:AlternateContent xmlns:mc="http://schemas.openxmlformats.org/markup-compatibility/2006">
-        <mc:Choice xmlns:a14="http://schemas.microsoft.com/office/drawing/2010/main" Requires="a14">
-          <p:sp>
-            <p:nvSpPr>
-              <p:cNvPr id="4" name="文本框 3">
-                <a:extLst>
-                  <a:ext uri="{FF2B5EF4-FFF2-40B4-BE49-F238E27FC236}">
-                    <a16:creationId xmlns:a16="http://schemas.microsoft.com/office/drawing/2014/main" id="{59C6EDF0-175F-B342-87D4-9B777CFF6BF9}"/>
-                  </a:ext>
-                </a:extLst>
-              </p:cNvPr>
-              <p:cNvSpPr txBox="1"/>
-              <p:nvPr/>
-            </p:nvSpPr>
-            <p:spPr>
-              <a:xfrm>
-                <a:off x="4325167" y="5112561"/>
-                <a:ext cx="4920343" cy="584775"/>
-              </a:xfrm>
-              <a:prstGeom prst="rect">
-                <a:avLst/>
-              </a:prstGeom>
-              <a:noFill/>
-            </p:spPr>
-            <p:txBody>
-              <a:bodyPr wrap="square" rtlCol="0">
-                <a:spAutoFit/>
-              </a:bodyPr>
-              <a:lstStyle/>
-              <a:p>
-                <a:r>
-                  <a:rPr kumimoji="1" lang="en-US" altLang="zh-CN" sz="3200" b="1" dirty="0">
-                    <a:latin typeface="Times New Roman" panose="02020603050405020304" pitchFamily="18" charset="0"/>
-                    <a:cs typeface="Times New Roman" panose="02020603050405020304" pitchFamily="18" charset="0"/>
-                  </a:rPr>
-                  <a:t>Impact</a:t>
-                </a:r>
-                <a:r>
-                  <a:rPr kumimoji="1" lang="zh-CN" altLang="en-US" sz="3200" b="1" dirty="0">
-                    <a:latin typeface="Times New Roman" panose="02020603050405020304" pitchFamily="18" charset="0"/>
-                    <a:cs typeface="Times New Roman" panose="02020603050405020304" pitchFamily="18" charset="0"/>
-                  </a:rPr>
-                  <a:t> </a:t>
-                </a:r>
-                <a:r>
-                  <a:rPr kumimoji="1" lang="en-US" altLang="zh-CN" sz="3200" b="1" dirty="0">
-                    <a:latin typeface="Times New Roman" panose="02020603050405020304" pitchFamily="18" charset="0"/>
-                    <a:cs typeface="Times New Roman" panose="02020603050405020304" pitchFamily="18" charset="0"/>
-                  </a:rPr>
-                  <a:t>of</a:t>
-                </a:r>
-                <a:r>
-                  <a:rPr kumimoji="1" lang="zh-CN" altLang="en-US" sz="3200" b="1" dirty="0">
-                    <a:latin typeface="Times New Roman" panose="02020603050405020304" pitchFamily="18" charset="0"/>
-                    <a:cs typeface="Times New Roman" panose="02020603050405020304" pitchFamily="18" charset="0"/>
-                  </a:rPr>
-                  <a:t> </a:t>
-                </a:r>
-                <a14:m>
-                  <m:oMath xmlns:m="http://schemas.openxmlformats.org/officeDocument/2006/math">
-                    <m:sSub>
-                      <m:sSubPr>
-                        <m:ctrlPr>
-                          <a:rPr kumimoji="1" lang="en-US" altLang="zh-CN" sz="3200" b="1" i="1" smtClean="0">
-                            <a:latin typeface="Cambria Math" panose="02040503050406030204" pitchFamily="18" charset="0"/>
-                            <a:cs typeface="Times New Roman" panose="02020603050405020304" pitchFamily="18" charset="0"/>
-                          </a:rPr>
-                        </m:ctrlPr>
-                      </m:sSubPr>
-                      <m:e>
-                        <m:r>
-                          <a:rPr kumimoji="1" lang="en-US" altLang="zh-CN" sz="3200" b="1" i="1" smtClean="0">
-                            <a:latin typeface="Cambria Math" panose="02040503050406030204" pitchFamily="18" charset="0"/>
-                            <a:cs typeface="Times New Roman" panose="02020603050405020304" pitchFamily="18" charset="0"/>
-                          </a:rPr>
-                          <m:t>𝑫</m:t>
-                        </m:r>
-                      </m:e>
-                      <m:sub>
-                        <m:r>
-                          <a:rPr kumimoji="1" lang="en-US" altLang="zh-CN" sz="3200" b="1" i="1" smtClean="0">
-                            <a:latin typeface="Cambria Math" panose="02040503050406030204" pitchFamily="18" charset="0"/>
-                            <a:cs typeface="Times New Roman" panose="02020603050405020304" pitchFamily="18" charset="0"/>
-                          </a:rPr>
-                          <m:t>𝒗</m:t>
-                        </m:r>
-                      </m:sub>
-                    </m:sSub>
-                  </m:oMath>
-                </a14:m>
-                <a:r>
-                  <a:rPr kumimoji="1" lang="zh-CN" altLang="en-US" sz="3200" b="1" dirty="0">
-                    <a:latin typeface="Times New Roman" panose="02020603050405020304" pitchFamily="18" charset="0"/>
-                    <a:cs typeface="Times New Roman" panose="02020603050405020304" pitchFamily="18" charset="0"/>
-                  </a:rPr>
-                  <a:t> </a:t>
-                </a:r>
-              </a:p>
-            </p:txBody>
-          </p:sp>
-        </mc:Choice>
-        <mc:Fallback>
-          <p:sp>
-            <p:nvSpPr>
-              <p:cNvPr id="4" name="文本框 3">
-                <a:extLst>
-                  <a:ext uri="{FF2B5EF4-FFF2-40B4-BE49-F238E27FC236}">
-                    <a16:creationId xmlns:a16="http://schemas.microsoft.com/office/drawing/2014/main" id="{59C6EDF0-175F-B342-87D4-9B777CFF6BF9}"/>
-                  </a:ext>
-                </a:extLst>
-              </p:cNvPr>
-              <p:cNvSpPr txBox="1">
-                <a:spLocks noRot="1" noChangeAspect="1" noMove="1" noResize="1" noEditPoints="1" noAdjustHandles="1" noChangeArrowheads="1" noChangeShapeType="1" noTextEdit="1"/>
-              </p:cNvSpPr>
-              <p:nvPr/>
-            </p:nvSpPr>
-            <p:spPr>
-              <a:xfrm>
-                <a:off x="4325167" y="5112561"/>
-                <a:ext cx="4920343" cy="584775"/>
-              </a:xfrm>
-              <a:prstGeom prst="rect">
-                <a:avLst/>
-              </a:prstGeom>
-              <a:blipFill>
-                <a:blip r:embed="rId4"/>
-                <a:stretch>
-                  <a:fillRect l="-3085" t="-12766" b="-31915"/>
-                </a:stretch>
-              </a:blipFill>
-            </p:spPr>
-            <p:txBody>
-              <a:bodyPr/>
-              <a:lstStyle/>
-              <a:p>
-                <a:r>
-                  <a:rPr lang="zh-CN" altLang="en-US">
-                    <a:noFill/>
-                  </a:rPr>
-                  <a:t> </a:t>
-                </a:r>
-              </a:p>
-            </p:txBody>
-          </p:sp>
-        </mc:Fallback>
-      </mc:AlternateContent>
-      <p:pic>
-        <p:nvPicPr>
-          <p:cNvPr id="6" name="图片 5">
-            <a:extLst>
-              <a:ext uri="{FF2B5EF4-FFF2-40B4-BE49-F238E27FC236}">
-                <a16:creationId xmlns:a16="http://schemas.microsoft.com/office/drawing/2014/main" id="{61D95D82-3A3E-E601-7301-FE872AB63C6D}"/>
-              </a:ext>
-            </a:extLst>
-          </p:cNvPr>
-          <p:cNvPicPr>
-            <a:picLocks noChangeAspect="1"/>
-          </p:cNvPicPr>
-          <p:nvPr/>
-        </p:nvPicPr>
-        <p:blipFill>
-          <a:blip r:embed="rId5"/>
-          <a:stretch>
-            <a:fillRect/>
-          </a:stretch>
-        </p:blipFill>
-        <p:spPr>
-          <a:xfrm>
-            <a:off x="6696528" y="4312728"/>
-            <a:ext cx="7010939" cy="1863667"/>
-          </a:xfrm>
-          <a:prstGeom prst="rect">
-            <a:avLst/>
-          </a:prstGeom>
-        </p:spPr>
-      </p:pic>
       <p:sp>
         <p:nvSpPr>
           <p:cNvPr id="18" name="圆角矩形 17">
@@ -4697,7 +4345,7 @@
                 <a:avLst/>
               </a:prstGeom>
               <a:blipFill>
-                <a:blip r:embed="rId6"/>
+                <a:blip r:embed="rId4"/>
                 <a:stretch>
                   <a:fillRect l="-920" t="-12766" b="-29787"/>
                 </a:stretch>
@@ -4903,7 +4551,7 @@
                 <a:avLst/>
               </a:prstGeom>
               <a:blipFill>
-                <a:blip r:embed="rId7"/>
+                <a:blip r:embed="rId5"/>
                 <a:stretch>
                   <a:fillRect l="-787" t="-10638" b="-31915"/>
                 </a:stretch>
@@ -4939,7 +4587,7 @@
           <p:nvPr/>
         </p:nvPicPr>
         <p:blipFill>
-          <a:blip r:embed="rId8"/>
+          <a:blip r:embed="rId6"/>
           <a:srcRect/>
           <a:stretch/>
         </p:blipFill>
@@ -4978,7 +4626,7 @@
           <p:nvPr/>
         </p:nvPicPr>
         <p:blipFill>
-          <a:blip r:embed="rId9"/>
+          <a:blip r:embed="rId7"/>
           <a:srcRect/>
           <a:stretch/>
         </p:blipFill>
@@ -5017,7 +4665,7 @@
           <p:nvPr/>
         </p:nvPicPr>
         <p:blipFill>
-          <a:blip r:embed="rId10"/>
+          <a:blip r:embed="rId8"/>
           <a:srcRect/>
           <a:stretch/>
         </p:blipFill>
@@ -5056,7 +4704,7 @@
           <p:nvPr/>
         </p:nvPicPr>
         <p:blipFill>
-          <a:blip r:embed="rId11"/>
+          <a:blip r:embed="rId9"/>
           <a:srcRect/>
           <a:stretch/>
         </p:blipFill>
@@ -5095,7 +4743,7 @@
           <p:nvPr/>
         </p:nvPicPr>
         <p:blipFill>
-          <a:blip r:embed="rId8"/>
+          <a:blip r:embed="rId6"/>
           <a:srcRect/>
           <a:stretch/>
         </p:blipFill>
@@ -5134,7 +4782,7 @@
           <p:nvPr/>
         </p:nvPicPr>
         <p:blipFill>
-          <a:blip r:embed="rId12"/>
+          <a:blip r:embed="rId10"/>
           <a:srcRect/>
           <a:stretch/>
         </p:blipFill>
@@ -5173,7 +4821,7 @@
           <p:nvPr/>
         </p:nvPicPr>
         <p:blipFill>
-          <a:blip r:embed="rId13"/>
+          <a:blip r:embed="rId11"/>
           <a:srcRect/>
           <a:stretch/>
         </p:blipFill>
@@ -5212,7 +4860,7 @@
           <p:nvPr/>
         </p:nvPicPr>
         <p:blipFill>
-          <a:blip r:embed="rId14"/>
+          <a:blip r:embed="rId12"/>
           <a:srcRect/>
           <a:stretch/>
         </p:blipFill>
